--- a/Applied Data Science Capstone Project Presentation.pptx
+++ b/Applied Data Science Capstone Project Presentation.pptx
@@ -16,6 +16,8 @@
     <p:sldId id="261" r:id="rId11"/>
     <p:sldId id="262" r:id="rId12"/>
     <p:sldId id="263" r:id="rId13"/>
+    <p:sldId id="264" r:id="rId14"/>
+    <p:sldId id="265" r:id="rId15"/>
   </p:sldIdLst>
   <p:sldSz cy="5143500" cx="9144000"/>
   <p:notesSz cx="6858000" cy="9144000"/>
@@ -792,6 +794,105 @@
 </p:notes>
 </file>
 
+<file path=ppt/notesSlides/notesSlide10.xml><?xml version="1.0" encoding="utf-8"?>
+<p:notes xmlns:a="http://schemas.openxmlformats.org/drawingml/2006/main" xmlns:r="http://schemas.openxmlformats.org/officeDocument/2006/relationships" xmlns:mc="http://schemas.openxmlformats.org/markup-compatibility/2006" xmlns:mv="urn:schemas-microsoft-com:mac:vml" xmlns:p="http://schemas.openxmlformats.org/presentationml/2006/main" xmlns:c="http://schemas.openxmlformats.org/drawingml/2006/chart" xmlns:dgm="http://schemas.openxmlformats.org/drawingml/2006/diagram" xmlns:o="urn:schemas-microsoft-com:office:office" xmlns:v="urn:schemas-microsoft-com:vml" xmlns:pvml="urn:schemas-microsoft-com:office:powerpoint" xmlns:com="http://schemas.openxmlformats.org/drawingml/2006/compatibility" xmlns:p14="http://schemas.microsoft.com/office/powerpoint/2010/main" xmlns:p15="http://schemas.microsoft.com/office/powerpoint/2012/main" showMasterPhAnim="0" showMasterSp="0">
+  <p:cSld>
+    <p:spTree>
+      <p:nvGrpSpPr>
+        <p:cNvPr id="101" name="Shape 101"/>
+        <p:cNvGrpSpPr/>
+        <p:nvPr/>
+      </p:nvGrpSpPr>
+      <p:grpSpPr>
+        <a:xfrm>
+          <a:off x="0" y="0"/>
+          <a:ext cx="0" cy="0"/>
+          <a:chOff x="0" y="0"/>
+          <a:chExt cx="0" cy="0"/>
+        </a:xfrm>
+      </p:grpSpPr>
+      <p:sp>
+        <p:nvSpPr>
+          <p:cNvPr id="102" name="Google Shape;102;g848cf2d27c_0_36:notes"/>
+          <p:cNvSpPr/>
+          <p:nvPr>
+            <p:ph idx="2" type="sldImg"/>
+          </p:nvPr>
+        </p:nvSpPr>
+        <p:spPr>
+          <a:xfrm>
+            <a:off x="381300" y="685800"/>
+            <a:ext cx="6096000" cy="3429000"/>
+          </a:xfrm>
+          <a:custGeom>
+            <a:rect b="b" l="l" r="r" t="t"/>
+            <a:pathLst>
+              <a:path extrusionOk="0" h="120000" w="120000">
+                <a:moveTo>
+                  <a:pt x="0" y="0"/>
+                </a:moveTo>
+                <a:lnTo>
+                  <a:pt x="120000" y="0"/>
+                </a:lnTo>
+                <a:lnTo>
+                  <a:pt x="120000" y="120000"/>
+                </a:lnTo>
+                <a:lnTo>
+                  <a:pt x="0" y="120000"/>
+                </a:lnTo>
+                <a:close/>
+              </a:path>
+            </a:pathLst>
+          </a:custGeom>
+        </p:spPr>
+      </p:sp>
+      <p:sp>
+        <p:nvSpPr>
+          <p:cNvPr id="103" name="Google Shape;103;g848cf2d27c_0_36:notes"/>
+          <p:cNvSpPr txBox="1"/>
+          <p:nvPr>
+            <p:ph idx="1" type="body"/>
+          </p:nvPr>
+        </p:nvSpPr>
+        <p:spPr>
+          <a:xfrm>
+            <a:off x="685800" y="4343400"/>
+            <a:ext cx="5486400" cy="4114800"/>
+          </a:xfrm>
+          <a:prstGeom prst="rect">
+            <a:avLst/>
+          </a:prstGeom>
+        </p:spPr>
+        <p:txBody>
+          <a:bodyPr anchorCtr="0" anchor="t" bIns="91425" lIns="91425" spcFirstLastPara="1" rIns="91425" wrap="square" tIns="91425">
+            <a:noAutofit/>
+          </a:bodyPr>
+          <a:lstStyle/>
+          <a:p>
+            <a:pPr indent="0" lvl="0" marL="0" rtl="0" algn="l">
+              <a:spcBef>
+                <a:spcPts val="0"/>
+              </a:spcBef>
+              <a:spcAft>
+                <a:spcPts val="0"/>
+              </a:spcAft>
+              <a:buNone/>
+            </a:pPr>
+            <a:r>
+              <a:t/>
+            </a:r>
+            <a:endParaRPr/>
+          </a:p>
+        </p:txBody>
+      </p:sp>
+    </p:spTree>
+  </p:cSld>
+  <p:clrMapOvr>
+    <a:masterClrMapping/>
+  </p:clrMapOvr>
+</p:notes>
+</file>
+
 <file path=ppt/notesSlides/notesSlide2.xml><?xml version="1.0" encoding="utf-8"?>
 <p:notes xmlns:a="http://schemas.openxmlformats.org/drawingml/2006/main" xmlns:r="http://schemas.openxmlformats.org/officeDocument/2006/relationships" xmlns:mc="http://schemas.openxmlformats.org/markup-compatibility/2006" xmlns:mv="urn:schemas-microsoft-com:mac:vml" xmlns:p="http://schemas.openxmlformats.org/presentationml/2006/main" xmlns:c="http://schemas.openxmlformats.org/drawingml/2006/chart" xmlns:dgm="http://schemas.openxmlformats.org/drawingml/2006/diagram" xmlns:o="urn:schemas-microsoft-com:office:office" xmlns:v="urn:schemas-microsoft-com:vml" xmlns:pvml="urn:schemas-microsoft-com:office:powerpoint" xmlns:com="http://schemas.openxmlformats.org/drawingml/2006/compatibility" xmlns:p14="http://schemas.microsoft.com/office/powerpoint/2010/main" xmlns:p15="http://schemas.microsoft.com/office/powerpoint/2012/main" showMasterPhAnim="0" showMasterSp="0">
   <p:cSld>
@@ -1108,7 +1209,7 @@
       </p:grpSpPr>
       <p:sp>
         <p:nvSpPr>
-          <p:cNvPr id="75" name="Google Shape;75;g848cf2d27c_0_0:notes"/>
+          <p:cNvPr id="75" name="Google Shape;75;g848cf2d27c_2_7:notes"/>
           <p:cNvSpPr/>
           <p:nvPr>
             <p:ph idx="2" type="sldImg"/>
@@ -1143,7 +1244,7 @@
       </p:sp>
       <p:sp>
         <p:nvSpPr>
-          <p:cNvPr id="76" name="Google Shape;76;g848cf2d27c_0_0:notes"/>
+          <p:cNvPr id="76" name="Google Shape;76;g848cf2d27c_2_7:notes"/>
           <p:cNvSpPr txBox="1"/>
           <p:nvPr>
             <p:ph idx="1" type="body"/>
@@ -1193,7 +1294,7 @@
   <p:cSld>
     <p:spTree>
       <p:nvGrpSpPr>
-        <p:cNvPr id="81" name="Shape 81"/>
+        <p:cNvPr id="79" name="Shape 79"/>
         <p:cNvGrpSpPr/>
         <p:nvPr/>
       </p:nvGrpSpPr>
@@ -1207,7 +1308,7 @@
       </p:grpSpPr>
       <p:sp>
         <p:nvSpPr>
-          <p:cNvPr id="82" name="Google Shape;82;g848cf2d27c_0_44:notes"/>
+          <p:cNvPr id="80" name="Google Shape;80;g848cf2d27c_2_0:notes"/>
           <p:cNvSpPr/>
           <p:nvPr>
             <p:ph idx="2" type="sldImg"/>
@@ -1242,7 +1343,7 @@
       </p:sp>
       <p:sp>
         <p:nvSpPr>
-          <p:cNvPr id="83" name="Google Shape;83;g848cf2d27c_0_44:notes"/>
+          <p:cNvPr id="81" name="Google Shape;81;g848cf2d27c_2_0:notes"/>
           <p:cNvSpPr txBox="1"/>
           <p:nvPr>
             <p:ph idx="1" type="body"/>
@@ -1292,7 +1393,7 @@
   <p:cSld>
     <p:spTree>
       <p:nvGrpSpPr>
-        <p:cNvPr id="86" name="Shape 86"/>
+        <p:cNvPr id="84" name="Shape 84"/>
         <p:cNvGrpSpPr/>
         <p:nvPr/>
       </p:nvGrpSpPr>
@@ -1306,7 +1407,7 @@
       </p:grpSpPr>
       <p:sp>
         <p:nvSpPr>
-          <p:cNvPr id="87" name="Google Shape;87;g848cf2d27c_0_40:notes"/>
+          <p:cNvPr id="85" name="Google Shape;85;g848cf2d27c_0_0:notes"/>
           <p:cNvSpPr/>
           <p:nvPr>
             <p:ph idx="2" type="sldImg"/>
@@ -1341,7 +1442,7 @@
       </p:sp>
       <p:sp>
         <p:nvSpPr>
-          <p:cNvPr id="88" name="Google Shape;88;g848cf2d27c_0_40:notes"/>
+          <p:cNvPr id="86" name="Google Shape;86;g848cf2d27c_0_0:notes"/>
           <p:cNvSpPr txBox="1"/>
           <p:nvPr>
             <p:ph idx="1" type="body"/>
@@ -1405,7 +1506,7 @@
       </p:grpSpPr>
       <p:sp>
         <p:nvSpPr>
-          <p:cNvPr id="92" name="Google Shape;92;g848cf2d27c_0_36:notes"/>
+          <p:cNvPr id="92" name="Google Shape;92;g848cf2d27c_0_44:notes"/>
           <p:cNvSpPr/>
           <p:nvPr>
             <p:ph idx="2" type="sldImg"/>
@@ -1440,7 +1541,106 @@
       </p:sp>
       <p:sp>
         <p:nvSpPr>
-          <p:cNvPr id="93" name="Google Shape;93;g848cf2d27c_0_36:notes"/>
+          <p:cNvPr id="93" name="Google Shape;93;g848cf2d27c_0_44:notes"/>
+          <p:cNvSpPr txBox="1"/>
+          <p:nvPr>
+            <p:ph idx="1" type="body"/>
+          </p:nvPr>
+        </p:nvSpPr>
+        <p:spPr>
+          <a:xfrm>
+            <a:off x="685800" y="4343400"/>
+            <a:ext cx="5486400" cy="4114800"/>
+          </a:xfrm>
+          <a:prstGeom prst="rect">
+            <a:avLst/>
+          </a:prstGeom>
+        </p:spPr>
+        <p:txBody>
+          <a:bodyPr anchorCtr="0" anchor="t" bIns="91425" lIns="91425" spcFirstLastPara="1" rIns="91425" wrap="square" tIns="91425">
+            <a:noAutofit/>
+          </a:bodyPr>
+          <a:lstStyle/>
+          <a:p>
+            <a:pPr indent="0" lvl="0" marL="0" rtl="0" algn="l">
+              <a:spcBef>
+                <a:spcPts val="0"/>
+              </a:spcBef>
+              <a:spcAft>
+                <a:spcPts val="0"/>
+              </a:spcAft>
+              <a:buNone/>
+            </a:pPr>
+            <a:r>
+              <a:t/>
+            </a:r>
+            <a:endParaRPr/>
+          </a:p>
+        </p:txBody>
+      </p:sp>
+    </p:spTree>
+  </p:cSld>
+  <p:clrMapOvr>
+    <a:masterClrMapping/>
+  </p:clrMapOvr>
+</p:notes>
+</file>
+
+<file path=ppt/notesSlides/notesSlide9.xml><?xml version="1.0" encoding="utf-8"?>
+<p:notes xmlns:a="http://schemas.openxmlformats.org/drawingml/2006/main" xmlns:r="http://schemas.openxmlformats.org/officeDocument/2006/relationships" xmlns:mc="http://schemas.openxmlformats.org/markup-compatibility/2006" xmlns:mv="urn:schemas-microsoft-com:mac:vml" xmlns:p="http://schemas.openxmlformats.org/presentationml/2006/main" xmlns:c="http://schemas.openxmlformats.org/drawingml/2006/chart" xmlns:dgm="http://schemas.openxmlformats.org/drawingml/2006/diagram" xmlns:o="urn:schemas-microsoft-com:office:office" xmlns:v="urn:schemas-microsoft-com:vml" xmlns:pvml="urn:schemas-microsoft-com:office:powerpoint" xmlns:com="http://schemas.openxmlformats.org/drawingml/2006/compatibility" xmlns:p14="http://schemas.microsoft.com/office/powerpoint/2010/main" xmlns:p15="http://schemas.microsoft.com/office/powerpoint/2012/main" showMasterPhAnim="0" showMasterSp="0">
+  <p:cSld>
+    <p:spTree>
+      <p:nvGrpSpPr>
+        <p:cNvPr id="96" name="Shape 96"/>
+        <p:cNvGrpSpPr/>
+        <p:nvPr/>
+      </p:nvGrpSpPr>
+      <p:grpSpPr>
+        <a:xfrm>
+          <a:off x="0" y="0"/>
+          <a:ext cx="0" cy="0"/>
+          <a:chOff x="0" y="0"/>
+          <a:chExt cx="0" cy="0"/>
+        </a:xfrm>
+      </p:grpSpPr>
+      <p:sp>
+        <p:nvSpPr>
+          <p:cNvPr id="97" name="Google Shape;97;g848cf2d27c_0_40:notes"/>
+          <p:cNvSpPr/>
+          <p:nvPr>
+            <p:ph idx="2" type="sldImg"/>
+          </p:nvPr>
+        </p:nvSpPr>
+        <p:spPr>
+          <a:xfrm>
+            <a:off x="381300" y="685800"/>
+            <a:ext cx="6096000" cy="3429000"/>
+          </a:xfrm>
+          <a:custGeom>
+            <a:rect b="b" l="l" r="r" t="t"/>
+            <a:pathLst>
+              <a:path extrusionOk="0" h="120000" w="120000">
+                <a:moveTo>
+                  <a:pt x="0" y="0"/>
+                </a:moveTo>
+                <a:lnTo>
+                  <a:pt x="120000" y="0"/>
+                </a:lnTo>
+                <a:lnTo>
+                  <a:pt x="120000" y="120000"/>
+                </a:lnTo>
+                <a:lnTo>
+                  <a:pt x="0" y="120000"/>
+                </a:lnTo>
+                <a:close/>
+              </a:path>
+            </a:pathLst>
+          </a:custGeom>
+        </p:spPr>
+      </p:sp>
+      <p:sp>
+        <p:nvSpPr>
+          <p:cNvPr id="98" name="Google Shape;98;g848cf2d27c_0_40:notes"/>
           <p:cNvSpPr txBox="1"/>
           <p:nvPr>
             <p:ph idx="1" type="body"/>
@@ -6270,6 +6470,73 @@
 </p:sld>
 </file>
 
+<file path=ppt/slides/slide10.xml><?xml version="1.0" encoding="utf-8"?>
+<p:sld xmlns:a="http://schemas.openxmlformats.org/drawingml/2006/main" xmlns:r="http://schemas.openxmlformats.org/officeDocument/2006/relationships" xmlns:mc="http://schemas.openxmlformats.org/markup-compatibility/2006" xmlns:mv="urn:schemas-microsoft-com:mac:vml" xmlns:p="http://schemas.openxmlformats.org/presentationml/2006/main" xmlns:c="http://schemas.openxmlformats.org/drawingml/2006/chart" xmlns:dgm="http://schemas.openxmlformats.org/drawingml/2006/diagram" xmlns:o="urn:schemas-microsoft-com:office:office" xmlns:v="urn:schemas-microsoft-com:vml" xmlns:pvml="urn:schemas-microsoft-com:office:powerpoint" xmlns:com="http://schemas.openxmlformats.org/drawingml/2006/compatibility" xmlns:p14="http://schemas.microsoft.com/office/powerpoint/2010/main" xmlns:p15="http://schemas.microsoft.com/office/powerpoint/2012/main">
+  <p:cSld>
+    <p:spTree>
+      <p:nvGrpSpPr>
+        <p:cNvPr id="104" name="Shape 104"/>
+        <p:cNvGrpSpPr/>
+        <p:nvPr/>
+      </p:nvGrpSpPr>
+      <p:grpSpPr>
+        <a:xfrm>
+          <a:off x="0" y="0"/>
+          <a:ext cx="0" cy="0"/>
+          <a:chOff x="0" y="0"/>
+          <a:chExt cx="0" cy="0"/>
+        </a:xfrm>
+      </p:grpSpPr>
+      <p:sp>
+        <p:nvSpPr>
+          <p:cNvPr id="105" name="Google Shape;105;p22"/>
+          <p:cNvSpPr txBox="1"/>
+          <p:nvPr/>
+        </p:nvSpPr>
+        <p:spPr>
+          <a:xfrm>
+            <a:off x="253125" y="541425"/>
+            <a:ext cx="7812000" cy="2835900"/>
+          </a:xfrm>
+          <a:prstGeom prst="rect">
+            <a:avLst/>
+          </a:prstGeom>
+          <a:noFill/>
+          <a:ln>
+            <a:noFill/>
+          </a:ln>
+        </p:spPr>
+        <p:txBody>
+          <a:bodyPr anchorCtr="0" anchor="t" bIns="91425" lIns="91425" spcFirstLastPara="1" rIns="91425" wrap="square" tIns="91425">
+            <a:noAutofit/>
+          </a:bodyPr>
+          <a:lstStyle/>
+          <a:p>
+            <a:pPr indent="0" lvl="0" marL="0" rtl="0" algn="l">
+              <a:spcBef>
+                <a:spcPts val="0"/>
+              </a:spcBef>
+              <a:spcAft>
+                <a:spcPts val="0"/>
+              </a:spcAft>
+              <a:buNone/>
+            </a:pPr>
+            <a:r>
+              <a:rPr lang="en"/>
+              <a:t>End of slide show.</a:t>
+            </a:r>
+            <a:endParaRPr/>
+          </a:p>
+        </p:txBody>
+      </p:sp>
+    </p:spTree>
+  </p:cSld>
+  <p:clrMapOvr>
+    <a:masterClrMapping/>
+  </p:clrMapOvr>
+</p:sld>
+</file>
+
 <file path=ppt/slides/slide2.xml><?xml version="1.0" encoding="utf-8"?>
 <p:sld xmlns:a="http://schemas.openxmlformats.org/drawingml/2006/main" xmlns:r="http://schemas.openxmlformats.org/officeDocument/2006/relationships" xmlns:mc="http://schemas.openxmlformats.org/markup-compatibility/2006" xmlns:mv="urn:schemas-microsoft-com:mac:vml" xmlns:p="http://schemas.openxmlformats.org/presentationml/2006/main" xmlns:c="http://schemas.openxmlformats.org/drawingml/2006/chart" xmlns:dgm="http://schemas.openxmlformats.org/drawingml/2006/diagram" xmlns:o="urn:schemas-microsoft-com:office:office" xmlns:v="urn:schemas-microsoft-com:vml" xmlns:pvml="urn:schemas-microsoft-com:office:powerpoint" xmlns:com="http://schemas.openxmlformats.org/drawingml/2006/compatibility" xmlns:p14="http://schemas.microsoft.com/office/powerpoint/2010/main" xmlns:p15="http://schemas.microsoft.com/office/powerpoint/2012/main">
   <p:cSld>
@@ -7689,6 +7956,112 @@
           <p:cNvPicPr preferRelativeResize="0"/>
           <p:nvPr/>
         </p:nvPicPr>
+        <p:blipFill>
+          <a:blip r:embed="rId3">
+            <a:alphaModFix/>
+          </a:blip>
+          <a:stretch>
+            <a:fillRect/>
+          </a:stretch>
+        </p:blipFill>
+        <p:spPr>
+          <a:xfrm>
+            <a:off x="345775" y="513325"/>
+            <a:ext cx="8258175" cy="3971925"/>
+          </a:xfrm>
+          <a:prstGeom prst="rect">
+            <a:avLst/>
+          </a:prstGeom>
+          <a:noFill/>
+          <a:ln>
+            <a:noFill/>
+          </a:ln>
+        </p:spPr>
+      </p:pic>
+    </p:spTree>
+  </p:cSld>
+  <p:clrMapOvr>
+    <a:masterClrMapping/>
+  </p:clrMapOvr>
+</p:sld>
+</file>
+
+<file path=ppt/slides/slide6.xml><?xml version="1.0" encoding="utf-8"?>
+<p:sld xmlns:a="http://schemas.openxmlformats.org/drawingml/2006/main" xmlns:r="http://schemas.openxmlformats.org/officeDocument/2006/relationships" xmlns:mc="http://schemas.openxmlformats.org/markup-compatibility/2006" xmlns:mv="urn:schemas-microsoft-com:mac:vml" xmlns:p="http://schemas.openxmlformats.org/presentationml/2006/main" xmlns:c="http://schemas.openxmlformats.org/drawingml/2006/chart" xmlns:dgm="http://schemas.openxmlformats.org/drawingml/2006/diagram" xmlns:o="urn:schemas-microsoft-com:office:office" xmlns:v="urn:schemas-microsoft-com:vml" xmlns:pvml="urn:schemas-microsoft-com:office:powerpoint" xmlns:com="http://schemas.openxmlformats.org/drawingml/2006/compatibility" xmlns:p14="http://schemas.microsoft.com/office/powerpoint/2010/main" xmlns:p15="http://schemas.microsoft.com/office/powerpoint/2012/main">
+  <p:cSld>
+    <p:spTree>
+      <p:nvGrpSpPr>
+        <p:cNvPr id="82" name="Shape 82"/>
+        <p:cNvGrpSpPr/>
+        <p:nvPr/>
+      </p:nvGrpSpPr>
+      <p:grpSpPr>
+        <a:xfrm>
+          <a:off x="0" y="0"/>
+          <a:ext cx="0" cy="0"/>
+          <a:chOff x="0" y="0"/>
+          <a:chExt cx="0" cy="0"/>
+        </a:xfrm>
+      </p:grpSpPr>
+      <p:pic>
+        <p:nvPicPr>
+          <p:cNvPr id="83" name="Google Shape;83;p18"/>
+          <p:cNvPicPr preferRelativeResize="0"/>
+          <p:nvPr/>
+        </p:nvPicPr>
+        <p:blipFill>
+          <a:blip r:embed="rId3">
+            <a:alphaModFix/>
+          </a:blip>
+          <a:stretch>
+            <a:fillRect/>
+          </a:stretch>
+        </p:blipFill>
+        <p:spPr>
+          <a:xfrm>
+            <a:off x="166688" y="1384250"/>
+            <a:ext cx="8810625" cy="1952625"/>
+          </a:xfrm>
+          <a:prstGeom prst="rect">
+            <a:avLst/>
+          </a:prstGeom>
+          <a:noFill/>
+          <a:ln>
+            <a:noFill/>
+          </a:ln>
+        </p:spPr>
+      </p:pic>
+    </p:spTree>
+  </p:cSld>
+  <p:clrMapOvr>
+    <a:masterClrMapping/>
+  </p:clrMapOvr>
+</p:sld>
+</file>
+
+<file path=ppt/slides/slide7.xml><?xml version="1.0" encoding="utf-8"?>
+<p:sld xmlns:a="http://schemas.openxmlformats.org/drawingml/2006/main" xmlns:r="http://schemas.openxmlformats.org/officeDocument/2006/relationships" xmlns:mc="http://schemas.openxmlformats.org/markup-compatibility/2006" xmlns:mv="urn:schemas-microsoft-com:mac:vml" xmlns:p="http://schemas.openxmlformats.org/presentationml/2006/main" xmlns:c="http://schemas.openxmlformats.org/drawingml/2006/chart" xmlns:dgm="http://schemas.openxmlformats.org/drawingml/2006/diagram" xmlns:o="urn:schemas-microsoft-com:office:office" xmlns:v="urn:schemas-microsoft-com:vml" xmlns:pvml="urn:schemas-microsoft-com:office:powerpoint" xmlns:com="http://schemas.openxmlformats.org/drawingml/2006/compatibility" xmlns:p14="http://schemas.microsoft.com/office/powerpoint/2010/main" xmlns:p15="http://schemas.microsoft.com/office/powerpoint/2012/main">
+  <p:cSld>
+    <p:spTree>
+      <p:nvGrpSpPr>
+        <p:cNvPr id="87" name="Shape 87"/>
+        <p:cNvGrpSpPr/>
+        <p:nvPr/>
+      </p:nvGrpSpPr>
+      <p:grpSpPr>
+        <a:xfrm>
+          <a:off x="0" y="0"/>
+          <a:ext cx="0" cy="0"/>
+          <a:chOff x="0" y="0"/>
+          <a:chExt cx="0" cy="0"/>
+        </a:xfrm>
+      </p:grpSpPr>
+      <p:pic>
+        <p:nvPicPr>
+          <p:cNvPr id="88" name="Google Shape;88;p19"/>
+          <p:cNvPicPr preferRelativeResize="0"/>
+          <p:nvPr/>
+        </p:nvPicPr>
         <p:blipFill rotWithShape="1">
           <a:blip r:embed="rId3">
             <a:alphaModFix/>
@@ -7712,7 +8085,7 @@
       </p:pic>
       <p:sp>
         <p:nvSpPr>
-          <p:cNvPr id="79" name="Google Shape;79;p17"/>
+          <p:cNvPr id="89" name="Google Shape;89;p19"/>
           <p:cNvSpPr txBox="1"/>
           <p:nvPr/>
         </p:nvSpPr>
@@ -7753,7 +8126,7 @@
       </p:sp>
       <p:sp>
         <p:nvSpPr>
-          <p:cNvPr id="80" name="Google Shape;80;p17"/>
+          <p:cNvPr id="90" name="Google Shape;90;p19"/>
           <p:cNvSpPr txBox="1"/>
           <p:nvPr>
             <p:ph type="title"/>
@@ -7788,436 +8161,6 @@
               <a:t>The Results</a:t>
             </a:r>
             <a:endParaRPr/>
-          </a:p>
-        </p:txBody>
-      </p:sp>
-    </p:spTree>
-  </p:cSld>
-  <p:clrMapOvr>
-    <a:masterClrMapping/>
-  </p:clrMapOvr>
-</p:sld>
-</file>
-
-<file path=ppt/slides/slide6.xml><?xml version="1.0" encoding="utf-8"?>
-<p:sld xmlns:a="http://schemas.openxmlformats.org/drawingml/2006/main" xmlns:r="http://schemas.openxmlformats.org/officeDocument/2006/relationships" xmlns:mc="http://schemas.openxmlformats.org/markup-compatibility/2006" xmlns:mv="urn:schemas-microsoft-com:mac:vml" xmlns:p="http://schemas.openxmlformats.org/presentationml/2006/main" xmlns:c="http://schemas.openxmlformats.org/drawingml/2006/chart" xmlns:dgm="http://schemas.openxmlformats.org/drawingml/2006/diagram" xmlns:o="urn:schemas-microsoft-com:office:office" xmlns:v="urn:schemas-microsoft-com:vml" xmlns:pvml="urn:schemas-microsoft-com:office:powerpoint" xmlns:com="http://schemas.openxmlformats.org/drawingml/2006/compatibility" xmlns:p14="http://schemas.microsoft.com/office/powerpoint/2010/main" xmlns:p15="http://schemas.microsoft.com/office/powerpoint/2012/main">
-  <p:cSld>
-    <p:spTree>
-      <p:nvGrpSpPr>
-        <p:cNvPr id="84" name="Shape 84"/>
-        <p:cNvGrpSpPr/>
-        <p:nvPr/>
-      </p:nvGrpSpPr>
-      <p:grpSpPr>
-        <a:xfrm>
-          <a:off x="0" y="0"/>
-          <a:ext cx="0" cy="0"/>
-          <a:chOff x="0" y="0"/>
-          <a:chExt cx="0" cy="0"/>
-        </a:xfrm>
-      </p:grpSpPr>
-      <p:sp>
-        <p:nvSpPr>
-          <p:cNvPr id="85" name="Google Shape;85;p18"/>
-          <p:cNvSpPr txBox="1"/>
-          <p:nvPr/>
-        </p:nvSpPr>
-        <p:spPr>
-          <a:xfrm>
-            <a:off x="382025" y="1121525"/>
-            <a:ext cx="7554000" cy="2765100"/>
-          </a:xfrm>
-          <a:prstGeom prst="rect">
-            <a:avLst/>
-          </a:prstGeom>
-          <a:noFill/>
-          <a:ln>
-            <a:noFill/>
-          </a:ln>
-        </p:spPr>
-        <p:txBody>
-          <a:bodyPr anchorCtr="0" anchor="t" bIns="91425" lIns="91425" spcFirstLastPara="1" rIns="91425" wrap="square" tIns="91425">
-            <a:noAutofit/>
-          </a:bodyPr>
-          <a:lstStyle/>
-          <a:p>
-            <a:pPr indent="0" lvl="0" marL="0" rtl="0" algn="l">
-              <a:lnSpc>
-                <a:spcPct val="115000"/>
-              </a:lnSpc>
-              <a:spcBef>
-                <a:spcPts val="1600"/>
-              </a:spcBef>
-              <a:spcAft>
-                <a:spcPts val="0"/>
-              </a:spcAft>
-              <a:buClr>
-                <a:schemeClr val="dk1"/>
-              </a:buClr>
-              <a:buSzPts val="1100"/>
-              <a:buFont typeface="Arial"/>
-              <a:buNone/>
-            </a:pPr>
-            <a:r>
-              <a:rPr lang="en" sz="1600">
-                <a:solidFill>
-                  <a:srgbClr val="434343"/>
-                </a:solidFill>
-                <a:latin typeface="Georgia"/>
-                <a:ea typeface="Georgia"/>
-                <a:cs typeface="Georgia"/>
-                <a:sym typeface="Georgia"/>
-              </a:rPr>
-              <a:t>Results</a:t>
-            </a:r>
-            <a:endParaRPr sz="1600">
-              <a:solidFill>
-                <a:srgbClr val="434343"/>
-              </a:solidFill>
-              <a:latin typeface="Georgia"/>
-              <a:ea typeface="Georgia"/>
-              <a:cs typeface="Georgia"/>
-              <a:sym typeface="Georgia"/>
-            </a:endParaRPr>
-          </a:p>
-          <a:p>
-            <a:pPr indent="0" lvl="0" marL="0" rtl="0" algn="l">
-              <a:lnSpc>
-                <a:spcPct val="115000"/>
-              </a:lnSpc>
-              <a:spcBef>
-                <a:spcPts val="400"/>
-              </a:spcBef>
-              <a:spcAft>
-                <a:spcPts val="0"/>
-              </a:spcAft>
-              <a:buClr>
-                <a:schemeClr val="dk1"/>
-              </a:buClr>
-              <a:buSzPts val="1100"/>
-              <a:buFont typeface="Arial"/>
-              <a:buNone/>
-            </a:pPr>
-            <a:r>
-              <a:rPr lang="en" sz="1250">
-                <a:solidFill>
-                  <a:schemeClr val="dk1"/>
-                </a:solidFill>
-                <a:highlight>
-                  <a:srgbClr val="FFFFFF"/>
-                </a:highlight>
-              </a:rPr>
-              <a:t>We can see that according to the above data, the top 5 most popular areas in Karachi are Hotel Metropole, Sindh Governor House, Habib Bank, Shah Faisal Colony and Defence Society. Therefore, if one is looking for an area in Karachi to invest in property for a business/restaurant that has the most number of public places (to potentially attract most customers), it should be one of the five areas mentioned in the previous slide.</a:t>
-            </a:r>
-            <a:endParaRPr b="1" sz="1600"/>
-          </a:p>
-        </p:txBody>
-      </p:sp>
-    </p:spTree>
-  </p:cSld>
-  <p:clrMapOvr>
-    <a:masterClrMapping/>
-  </p:clrMapOvr>
-</p:sld>
-</file>
-
-<file path=ppt/slides/slide7.xml><?xml version="1.0" encoding="utf-8"?>
-<p:sld xmlns:a="http://schemas.openxmlformats.org/drawingml/2006/main" xmlns:r="http://schemas.openxmlformats.org/officeDocument/2006/relationships" xmlns:mc="http://schemas.openxmlformats.org/markup-compatibility/2006" xmlns:mv="urn:schemas-microsoft-com:mac:vml" xmlns:p="http://schemas.openxmlformats.org/presentationml/2006/main" xmlns:c="http://schemas.openxmlformats.org/drawingml/2006/chart" xmlns:dgm="http://schemas.openxmlformats.org/drawingml/2006/diagram" xmlns:o="urn:schemas-microsoft-com:office:office" xmlns:v="urn:schemas-microsoft-com:vml" xmlns:pvml="urn:schemas-microsoft-com:office:powerpoint" xmlns:com="http://schemas.openxmlformats.org/drawingml/2006/compatibility" xmlns:p14="http://schemas.microsoft.com/office/powerpoint/2010/main" xmlns:p15="http://schemas.microsoft.com/office/powerpoint/2012/main">
-  <p:cSld>
-    <p:spTree>
-      <p:nvGrpSpPr>
-        <p:cNvPr id="89" name="Shape 89"/>
-        <p:cNvGrpSpPr/>
-        <p:nvPr/>
-      </p:nvGrpSpPr>
-      <p:grpSpPr>
-        <a:xfrm>
-          <a:off x="0" y="0"/>
-          <a:ext cx="0" cy="0"/>
-          <a:chOff x="0" y="0"/>
-          <a:chExt cx="0" cy="0"/>
-        </a:xfrm>
-      </p:grpSpPr>
-      <p:sp>
-        <p:nvSpPr>
-          <p:cNvPr id="90" name="Google Shape;90;p19"/>
-          <p:cNvSpPr txBox="1"/>
-          <p:nvPr/>
-        </p:nvSpPr>
-        <p:spPr>
-          <a:xfrm>
-            <a:off x="253125" y="180475"/>
-            <a:ext cx="7812000" cy="5040600"/>
-          </a:xfrm>
-          <a:prstGeom prst="rect">
-            <a:avLst/>
-          </a:prstGeom>
-          <a:noFill/>
-          <a:ln>
-            <a:noFill/>
-          </a:ln>
-        </p:spPr>
-        <p:txBody>
-          <a:bodyPr anchorCtr="0" anchor="t" bIns="91425" lIns="91425" spcFirstLastPara="1" rIns="91425" wrap="square" tIns="91425">
-            <a:noAutofit/>
-          </a:bodyPr>
-          <a:lstStyle/>
-          <a:p>
-            <a:pPr indent="0" lvl="0" marL="0" rtl="0" algn="l">
-              <a:lnSpc>
-                <a:spcPct val="115000"/>
-              </a:lnSpc>
-              <a:spcBef>
-                <a:spcPts val="1600"/>
-              </a:spcBef>
-              <a:spcAft>
-                <a:spcPts val="0"/>
-              </a:spcAft>
-              <a:buClr>
-                <a:schemeClr val="dk1"/>
-              </a:buClr>
-              <a:buSzPts val="1100"/>
-              <a:buFont typeface="Arial"/>
-              <a:buNone/>
-            </a:pPr>
-            <a:r>
-              <a:rPr lang="en" sz="1600">
-                <a:solidFill>
-                  <a:srgbClr val="434343"/>
-                </a:solidFill>
-                <a:latin typeface="Georgia"/>
-                <a:ea typeface="Georgia"/>
-                <a:cs typeface="Georgia"/>
-                <a:sym typeface="Georgia"/>
-              </a:rPr>
-              <a:t>Discussion </a:t>
-            </a:r>
-            <a:endParaRPr sz="1600">
-              <a:solidFill>
-                <a:srgbClr val="434343"/>
-              </a:solidFill>
-              <a:latin typeface="Georgia"/>
-              <a:ea typeface="Georgia"/>
-              <a:cs typeface="Georgia"/>
-              <a:sym typeface="Georgia"/>
-            </a:endParaRPr>
-          </a:p>
-          <a:p>
-            <a:pPr indent="0" lvl="0" marL="0" rtl="0" algn="l">
-              <a:lnSpc>
-                <a:spcPct val="115000"/>
-              </a:lnSpc>
-              <a:spcBef>
-                <a:spcPts val="400"/>
-              </a:spcBef>
-              <a:spcAft>
-                <a:spcPts val="0"/>
-              </a:spcAft>
-              <a:buClr>
-                <a:schemeClr val="dk1"/>
-              </a:buClr>
-              <a:buSzPts val="1100"/>
-              <a:buFont typeface="Arial"/>
-              <a:buNone/>
-            </a:pPr>
-            <a:r>
-              <a:t/>
-            </a:r>
-            <a:endParaRPr sz="1300">
-              <a:solidFill>
-                <a:schemeClr val="dk1"/>
-              </a:solidFill>
-              <a:latin typeface="Georgia"/>
-              <a:ea typeface="Georgia"/>
-              <a:cs typeface="Georgia"/>
-              <a:sym typeface="Georgia"/>
-            </a:endParaRPr>
-          </a:p>
-          <a:p>
-            <a:pPr indent="0" lvl="0" marL="0" rtl="0" algn="l">
-              <a:lnSpc>
-                <a:spcPct val="115000"/>
-              </a:lnSpc>
-              <a:spcBef>
-                <a:spcPts val="0"/>
-              </a:spcBef>
-              <a:spcAft>
-                <a:spcPts val="0"/>
-              </a:spcAft>
-              <a:buClr>
-                <a:schemeClr val="dk1"/>
-              </a:buClr>
-              <a:buSzPts val="1100"/>
-              <a:buFont typeface="Arial"/>
-              <a:buNone/>
-            </a:pPr>
-            <a:r>
-              <a:rPr lang="en" sz="1300">
-                <a:solidFill>
-                  <a:schemeClr val="dk1"/>
-                </a:solidFill>
-                <a:latin typeface="Georgia"/>
-                <a:ea typeface="Georgia"/>
-                <a:cs typeface="Georgia"/>
-                <a:sym typeface="Georgia"/>
-              </a:rPr>
-              <a:t>It is to be noted that in this project, we have only used No. of Public places as a criteria for the selection of a neighbourhood. The idea is based on the probability that if an area has more public places, it will have more people passing by and hence will be more likely to attract more customers. </a:t>
-            </a:r>
-            <a:endParaRPr sz="1300">
-              <a:solidFill>
-                <a:schemeClr val="dk1"/>
-              </a:solidFill>
-              <a:latin typeface="Georgia"/>
-              <a:ea typeface="Georgia"/>
-              <a:cs typeface="Georgia"/>
-              <a:sym typeface="Georgia"/>
-            </a:endParaRPr>
-          </a:p>
-          <a:p>
-            <a:pPr indent="0" lvl="0" marL="0" rtl="0" algn="l">
-              <a:lnSpc>
-                <a:spcPct val="115000"/>
-              </a:lnSpc>
-              <a:spcBef>
-                <a:spcPts val="1600"/>
-              </a:spcBef>
-              <a:spcAft>
-                <a:spcPts val="0"/>
-              </a:spcAft>
-              <a:buClr>
-                <a:schemeClr val="dk1"/>
-              </a:buClr>
-              <a:buSzPts val="1100"/>
-              <a:buFont typeface="Arial"/>
-              <a:buNone/>
-            </a:pPr>
-            <a:r>
-              <a:rPr lang="en" sz="1600">
-                <a:solidFill>
-                  <a:srgbClr val="434343"/>
-                </a:solidFill>
-                <a:latin typeface="Georgia"/>
-                <a:ea typeface="Georgia"/>
-                <a:cs typeface="Georgia"/>
-                <a:sym typeface="Georgia"/>
-              </a:rPr>
-              <a:t>Possible Improvements </a:t>
-            </a:r>
-            <a:endParaRPr sz="1600">
-              <a:solidFill>
-                <a:srgbClr val="434343"/>
-              </a:solidFill>
-              <a:latin typeface="Georgia"/>
-              <a:ea typeface="Georgia"/>
-              <a:cs typeface="Georgia"/>
-              <a:sym typeface="Georgia"/>
-            </a:endParaRPr>
-          </a:p>
-          <a:p>
-            <a:pPr indent="0" lvl="0" marL="0" rtl="0" algn="l">
-              <a:lnSpc>
-                <a:spcPct val="115000"/>
-              </a:lnSpc>
-              <a:spcBef>
-                <a:spcPts val="400"/>
-              </a:spcBef>
-              <a:spcAft>
-                <a:spcPts val="0"/>
-              </a:spcAft>
-              <a:buNone/>
-            </a:pPr>
-            <a:r>
-              <a:rPr lang="en" sz="1300">
-                <a:solidFill>
-                  <a:schemeClr val="dk1"/>
-                </a:solidFill>
-                <a:latin typeface="Georgia"/>
-                <a:ea typeface="Georgia"/>
-                <a:cs typeface="Georgia"/>
-                <a:sym typeface="Georgia"/>
-              </a:rPr>
-              <a:t>However, in the real world, such scenarios are based on many other practical considerations such as distance of the area from a current location, the commute from home, and property prices in the locality. This could also, in the future, be used to evaluate what is the best area for each unique individual, their budget and their business needs. </a:t>
-            </a:r>
-            <a:endParaRPr sz="1300">
-              <a:solidFill>
-                <a:schemeClr val="dk1"/>
-              </a:solidFill>
-              <a:latin typeface="Georgia"/>
-              <a:ea typeface="Georgia"/>
-              <a:cs typeface="Georgia"/>
-              <a:sym typeface="Georgia"/>
-            </a:endParaRPr>
-          </a:p>
-          <a:p>
-            <a:pPr indent="0" lvl="0" marL="0" rtl="0" algn="l">
-              <a:lnSpc>
-                <a:spcPct val="115000"/>
-              </a:lnSpc>
-              <a:spcBef>
-                <a:spcPts val="1600"/>
-              </a:spcBef>
-              <a:spcAft>
-                <a:spcPts val="0"/>
-              </a:spcAft>
-              <a:buNone/>
-            </a:pPr>
-            <a:r>
-              <a:rPr lang="en">
-                <a:solidFill>
-                  <a:srgbClr val="434343"/>
-                </a:solidFill>
-                <a:latin typeface="Georgia"/>
-                <a:ea typeface="Georgia"/>
-                <a:cs typeface="Georgia"/>
-                <a:sym typeface="Georgia"/>
-              </a:rPr>
-              <a:t>Conclusion</a:t>
-            </a:r>
-            <a:endParaRPr>
-              <a:solidFill>
-                <a:srgbClr val="434343"/>
-              </a:solidFill>
-              <a:latin typeface="Georgia"/>
-              <a:ea typeface="Georgia"/>
-              <a:cs typeface="Georgia"/>
-              <a:sym typeface="Georgia"/>
-            </a:endParaRPr>
-          </a:p>
-          <a:p>
-            <a:pPr indent="0" lvl="0" marL="0" rtl="0" algn="l">
-              <a:lnSpc>
-                <a:spcPct val="115000"/>
-              </a:lnSpc>
-              <a:spcBef>
-                <a:spcPts val="400"/>
-              </a:spcBef>
-              <a:spcAft>
-                <a:spcPts val="0"/>
-              </a:spcAft>
-              <a:buClr>
-                <a:schemeClr val="dk1"/>
-              </a:buClr>
-              <a:buSzPts val="1100"/>
-              <a:buFont typeface="Arial"/>
-              <a:buNone/>
-            </a:pPr>
-            <a:r>
-              <a:rPr lang="en" sz="1100">
-                <a:solidFill>
-                  <a:schemeClr val="dk1"/>
-                </a:solidFill>
-              </a:rPr>
-              <a:t>In Week 5 of the Applied Data Science project, we have implemented a real world scenario with real data (from KMC and Foursquare), preprocessed and cleaned it, applied visualization techniques to show a map of Karachi and its neighbourhoods. We have also used the Foursquare API to get places nearby (or in) each area so we can evaluate which part of the city has the most public places. This information helps us solve the problem we’ve wanted to solve in this project: which is a suitable area in the city for setting up a restaurant?</a:t>
-            </a:r>
-            <a:endParaRPr sz="1300">
-              <a:solidFill>
-                <a:schemeClr val="dk1"/>
-              </a:solidFill>
-              <a:latin typeface="Georgia"/>
-              <a:ea typeface="Georgia"/>
-              <a:cs typeface="Georgia"/>
-              <a:sym typeface="Georgia"/>
-            </a:endParaRPr>
           </a:p>
         </p:txBody>
       </p:sp>
@@ -8254,8 +8197,8 @@
         </p:nvSpPr>
         <p:spPr>
           <a:xfrm>
-            <a:off x="253125" y="541425"/>
-            <a:ext cx="7812000" cy="2835900"/>
+            <a:off x="382025" y="1121525"/>
+            <a:ext cx="7554000" cy="2765100"/>
           </a:xfrm>
           <a:prstGeom prst="rect">
             <a:avLst/>
@@ -8272,19 +8215,382 @@
           <a:lstStyle/>
           <a:p>
             <a:pPr indent="0" lvl="0" marL="0" rtl="0" algn="l">
-              <a:spcBef>
-                <a:spcPts val="0"/>
-              </a:spcBef>
-              <a:spcAft>
-                <a:spcPts val="0"/>
-              </a:spcAft>
+              <a:lnSpc>
+                <a:spcPct val="115000"/>
+              </a:lnSpc>
+              <a:spcBef>
+                <a:spcPts val="1600"/>
+              </a:spcBef>
+              <a:spcAft>
+                <a:spcPts val="0"/>
+              </a:spcAft>
+              <a:buClr>
+                <a:schemeClr val="dk1"/>
+              </a:buClr>
+              <a:buSzPts val="1100"/>
+              <a:buFont typeface="Arial"/>
               <a:buNone/>
             </a:pPr>
             <a:r>
-              <a:rPr lang="en"/>
-              <a:t>End of slide show.</a:t>
+              <a:rPr lang="en" sz="1600">
+                <a:solidFill>
+                  <a:srgbClr val="434343"/>
+                </a:solidFill>
+                <a:latin typeface="Georgia"/>
+                <a:ea typeface="Georgia"/>
+                <a:cs typeface="Georgia"/>
+                <a:sym typeface="Georgia"/>
+              </a:rPr>
+              <a:t>Results</a:t>
             </a:r>
-            <a:endParaRPr/>
+            <a:endParaRPr sz="1600">
+              <a:solidFill>
+                <a:srgbClr val="434343"/>
+              </a:solidFill>
+              <a:latin typeface="Georgia"/>
+              <a:ea typeface="Georgia"/>
+              <a:cs typeface="Georgia"/>
+              <a:sym typeface="Georgia"/>
+            </a:endParaRPr>
+          </a:p>
+          <a:p>
+            <a:pPr indent="0" lvl="0" marL="0" rtl="0" algn="l">
+              <a:lnSpc>
+                <a:spcPct val="115000"/>
+              </a:lnSpc>
+              <a:spcBef>
+                <a:spcPts val="400"/>
+              </a:spcBef>
+              <a:spcAft>
+                <a:spcPts val="0"/>
+              </a:spcAft>
+              <a:buClr>
+                <a:schemeClr val="dk1"/>
+              </a:buClr>
+              <a:buSzPts val="1100"/>
+              <a:buFont typeface="Arial"/>
+              <a:buNone/>
+            </a:pPr>
+            <a:r>
+              <a:rPr lang="en" sz="1250">
+                <a:solidFill>
+                  <a:schemeClr val="dk1"/>
+                </a:solidFill>
+                <a:highlight>
+                  <a:srgbClr val="FFFFFF"/>
+                </a:highlight>
+              </a:rPr>
+              <a:t>We can see that according to the above data, the top 5 most popular areas in Karachi are Hotel Metropole, Sindh Governor House, Habib Bank, Shah Faisal Colony and Defence Society. Therefore, if one is looking for an area in Karachi to invest in property for a business/restaurant that has the most number of public places (to potentially attract most customers), it should be one of the five areas mentioned in the previous slide.</a:t>
+            </a:r>
+            <a:endParaRPr b="1" sz="1600"/>
+          </a:p>
+        </p:txBody>
+      </p:sp>
+    </p:spTree>
+  </p:cSld>
+  <p:clrMapOvr>
+    <a:masterClrMapping/>
+  </p:clrMapOvr>
+</p:sld>
+</file>
+
+<file path=ppt/slides/slide9.xml><?xml version="1.0" encoding="utf-8"?>
+<p:sld xmlns:a="http://schemas.openxmlformats.org/drawingml/2006/main" xmlns:r="http://schemas.openxmlformats.org/officeDocument/2006/relationships" xmlns:mc="http://schemas.openxmlformats.org/markup-compatibility/2006" xmlns:mv="urn:schemas-microsoft-com:mac:vml" xmlns:p="http://schemas.openxmlformats.org/presentationml/2006/main" xmlns:c="http://schemas.openxmlformats.org/drawingml/2006/chart" xmlns:dgm="http://schemas.openxmlformats.org/drawingml/2006/diagram" xmlns:o="urn:schemas-microsoft-com:office:office" xmlns:v="urn:schemas-microsoft-com:vml" xmlns:pvml="urn:schemas-microsoft-com:office:powerpoint" xmlns:com="http://schemas.openxmlformats.org/drawingml/2006/compatibility" xmlns:p14="http://schemas.microsoft.com/office/powerpoint/2010/main" xmlns:p15="http://schemas.microsoft.com/office/powerpoint/2012/main">
+  <p:cSld>
+    <p:spTree>
+      <p:nvGrpSpPr>
+        <p:cNvPr id="99" name="Shape 99"/>
+        <p:cNvGrpSpPr/>
+        <p:nvPr/>
+      </p:nvGrpSpPr>
+      <p:grpSpPr>
+        <a:xfrm>
+          <a:off x="0" y="0"/>
+          <a:ext cx="0" cy="0"/>
+          <a:chOff x="0" y="0"/>
+          <a:chExt cx="0" cy="0"/>
+        </a:xfrm>
+      </p:grpSpPr>
+      <p:sp>
+        <p:nvSpPr>
+          <p:cNvPr id="100" name="Google Shape;100;p21"/>
+          <p:cNvSpPr txBox="1"/>
+          <p:nvPr/>
+        </p:nvSpPr>
+        <p:spPr>
+          <a:xfrm>
+            <a:off x="253125" y="180475"/>
+            <a:ext cx="7812000" cy="5040600"/>
+          </a:xfrm>
+          <a:prstGeom prst="rect">
+            <a:avLst/>
+          </a:prstGeom>
+          <a:noFill/>
+          <a:ln>
+            <a:noFill/>
+          </a:ln>
+        </p:spPr>
+        <p:txBody>
+          <a:bodyPr anchorCtr="0" anchor="t" bIns="91425" lIns="91425" spcFirstLastPara="1" rIns="91425" wrap="square" tIns="91425">
+            <a:noAutofit/>
+          </a:bodyPr>
+          <a:lstStyle/>
+          <a:p>
+            <a:pPr indent="0" lvl="0" marL="0" rtl="0" algn="l">
+              <a:lnSpc>
+                <a:spcPct val="115000"/>
+              </a:lnSpc>
+              <a:spcBef>
+                <a:spcPts val="1600"/>
+              </a:spcBef>
+              <a:spcAft>
+                <a:spcPts val="0"/>
+              </a:spcAft>
+              <a:buClr>
+                <a:schemeClr val="dk1"/>
+              </a:buClr>
+              <a:buSzPts val="1100"/>
+              <a:buFont typeface="Arial"/>
+              <a:buNone/>
+            </a:pPr>
+            <a:r>
+              <a:rPr lang="en" sz="1600">
+                <a:solidFill>
+                  <a:srgbClr val="434343"/>
+                </a:solidFill>
+                <a:latin typeface="Georgia"/>
+                <a:ea typeface="Georgia"/>
+                <a:cs typeface="Georgia"/>
+                <a:sym typeface="Georgia"/>
+              </a:rPr>
+              <a:t>Discussion </a:t>
+            </a:r>
+            <a:endParaRPr sz="1600">
+              <a:solidFill>
+                <a:srgbClr val="434343"/>
+              </a:solidFill>
+              <a:latin typeface="Georgia"/>
+              <a:ea typeface="Georgia"/>
+              <a:cs typeface="Georgia"/>
+              <a:sym typeface="Georgia"/>
+            </a:endParaRPr>
+          </a:p>
+          <a:p>
+            <a:pPr indent="0" lvl="0" marL="0" rtl="0" algn="l">
+              <a:lnSpc>
+                <a:spcPct val="115000"/>
+              </a:lnSpc>
+              <a:spcBef>
+                <a:spcPts val="400"/>
+              </a:spcBef>
+              <a:spcAft>
+                <a:spcPts val="0"/>
+              </a:spcAft>
+              <a:buClr>
+                <a:schemeClr val="dk1"/>
+              </a:buClr>
+              <a:buSzPts val="1100"/>
+              <a:buFont typeface="Arial"/>
+              <a:buNone/>
+            </a:pPr>
+            <a:r>
+              <a:t/>
+            </a:r>
+            <a:endParaRPr sz="1300">
+              <a:solidFill>
+                <a:schemeClr val="dk1"/>
+              </a:solidFill>
+              <a:latin typeface="Georgia"/>
+              <a:ea typeface="Georgia"/>
+              <a:cs typeface="Georgia"/>
+              <a:sym typeface="Georgia"/>
+            </a:endParaRPr>
+          </a:p>
+          <a:p>
+            <a:pPr indent="0" lvl="0" marL="0" rtl="0" algn="l">
+              <a:lnSpc>
+                <a:spcPct val="115000"/>
+              </a:lnSpc>
+              <a:spcBef>
+                <a:spcPts val="0"/>
+              </a:spcBef>
+              <a:spcAft>
+                <a:spcPts val="0"/>
+              </a:spcAft>
+              <a:buClr>
+                <a:schemeClr val="dk1"/>
+              </a:buClr>
+              <a:buSzPts val="1100"/>
+              <a:buFont typeface="Arial"/>
+              <a:buNone/>
+            </a:pPr>
+            <a:r>
+              <a:rPr lang="en" sz="1300">
+                <a:solidFill>
+                  <a:schemeClr val="dk1"/>
+                </a:solidFill>
+                <a:latin typeface="Georgia"/>
+                <a:ea typeface="Georgia"/>
+                <a:cs typeface="Georgia"/>
+                <a:sym typeface="Georgia"/>
+              </a:rPr>
+              <a:t>It is to be noted that in this project, we have only used No. of Public places as a criteria for the selection of a neighbourhood. The idea is based on the probability that if an area has more public places, it will have more people passing by and hence will be more likely to attract more customers. </a:t>
+            </a:r>
+            <a:endParaRPr sz="1300">
+              <a:solidFill>
+                <a:schemeClr val="dk1"/>
+              </a:solidFill>
+              <a:latin typeface="Georgia"/>
+              <a:ea typeface="Georgia"/>
+              <a:cs typeface="Georgia"/>
+              <a:sym typeface="Georgia"/>
+            </a:endParaRPr>
+          </a:p>
+          <a:p>
+            <a:pPr indent="0" lvl="0" marL="0" rtl="0" algn="l">
+              <a:lnSpc>
+                <a:spcPct val="115000"/>
+              </a:lnSpc>
+              <a:spcBef>
+                <a:spcPts val="1600"/>
+              </a:spcBef>
+              <a:spcAft>
+                <a:spcPts val="0"/>
+              </a:spcAft>
+              <a:buClr>
+                <a:schemeClr val="dk1"/>
+              </a:buClr>
+              <a:buSzPts val="1100"/>
+              <a:buFont typeface="Arial"/>
+              <a:buNone/>
+            </a:pPr>
+            <a:r>
+              <a:rPr lang="en" sz="1600">
+                <a:solidFill>
+                  <a:srgbClr val="434343"/>
+                </a:solidFill>
+                <a:latin typeface="Georgia"/>
+                <a:ea typeface="Georgia"/>
+                <a:cs typeface="Georgia"/>
+                <a:sym typeface="Georgia"/>
+              </a:rPr>
+              <a:t>Possible Improvements </a:t>
+            </a:r>
+            <a:endParaRPr sz="1600">
+              <a:solidFill>
+                <a:srgbClr val="434343"/>
+              </a:solidFill>
+              <a:latin typeface="Georgia"/>
+              <a:ea typeface="Georgia"/>
+              <a:cs typeface="Georgia"/>
+              <a:sym typeface="Georgia"/>
+            </a:endParaRPr>
+          </a:p>
+          <a:p>
+            <a:pPr indent="0" lvl="0" marL="0" rtl="0" algn="l">
+              <a:lnSpc>
+                <a:spcPct val="115000"/>
+              </a:lnSpc>
+              <a:spcBef>
+                <a:spcPts val="400"/>
+              </a:spcBef>
+              <a:spcAft>
+                <a:spcPts val="0"/>
+              </a:spcAft>
+              <a:buNone/>
+            </a:pPr>
+            <a:r>
+              <a:rPr lang="en" sz="1300">
+                <a:solidFill>
+                  <a:schemeClr val="dk1"/>
+                </a:solidFill>
+                <a:latin typeface="Georgia"/>
+                <a:ea typeface="Georgia"/>
+                <a:cs typeface="Georgia"/>
+                <a:sym typeface="Georgia"/>
+              </a:rPr>
+              <a:t>However, in the real world, such scenarios are based on many other practical considerations such as distance of the area from a current location, the commute from home, and property prices in the locality. This could also, in the future, be used to evaluate what is the best area for each unique individual, their budget and their business needs. </a:t>
+            </a:r>
+            <a:endParaRPr sz="1300">
+              <a:solidFill>
+                <a:schemeClr val="dk1"/>
+              </a:solidFill>
+              <a:latin typeface="Georgia"/>
+              <a:ea typeface="Georgia"/>
+              <a:cs typeface="Georgia"/>
+              <a:sym typeface="Georgia"/>
+            </a:endParaRPr>
+          </a:p>
+          <a:p>
+            <a:pPr indent="0" lvl="0" marL="0" rtl="0" algn="l">
+              <a:lnSpc>
+                <a:spcPct val="115000"/>
+              </a:lnSpc>
+              <a:spcBef>
+                <a:spcPts val="1600"/>
+              </a:spcBef>
+              <a:spcAft>
+                <a:spcPts val="0"/>
+              </a:spcAft>
+              <a:buNone/>
+            </a:pPr>
+            <a:r>
+              <a:rPr lang="en">
+                <a:solidFill>
+                  <a:srgbClr val="434343"/>
+                </a:solidFill>
+                <a:latin typeface="Georgia"/>
+                <a:ea typeface="Georgia"/>
+                <a:cs typeface="Georgia"/>
+                <a:sym typeface="Georgia"/>
+              </a:rPr>
+              <a:t>Conclusion</a:t>
+            </a:r>
+            <a:endParaRPr>
+              <a:solidFill>
+                <a:srgbClr val="434343"/>
+              </a:solidFill>
+              <a:latin typeface="Georgia"/>
+              <a:ea typeface="Georgia"/>
+              <a:cs typeface="Georgia"/>
+              <a:sym typeface="Georgia"/>
+            </a:endParaRPr>
+          </a:p>
+          <a:p>
+            <a:pPr indent="0" lvl="0" marL="0" rtl="0" algn="l">
+              <a:lnSpc>
+                <a:spcPct val="115000"/>
+              </a:lnSpc>
+              <a:spcBef>
+                <a:spcPts val="400"/>
+              </a:spcBef>
+              <a:spcAft>
+                <a:spcPts val="0"/>
+              </a:spcAft>
+              <a:buClr>
+                <a:schemeClr val="dk1"/>
+              </a:buClr>
+              <a:buSzPts val="1100"/>
+              <a:buFont typeface="Arial"/>
+              <a:buNone/>
+            </a:pPr>
+            <a:r>
+              <a:rPr lang="en" sz="1100">
+                <a:solidFill>
+                  <a:schemeClr val="dk1"/>
+                </a:solidFill>
+              </a:rPr>
+              <a:t>In Week 5 of the Applied Data Science project, we have implemented a real world scenario with real data (from KMC and Foursquare), preprocessed and cleaned it, applied visualization techniques to show a map of Karachi and its neighbourhoods. We have also used the Foursquare API to get places nearby (or in) each area so we can evaluate which part of the city has the most public places. This information helps us solve the problem we’ve wanted to solve in this project: which is a suitable area in the city for setting up a restaurant?</a:t>
+            </a:r>
+            <a:endParaRPr sz="1300">
+              <a:solidFill>
+                <a:schemeClr val="dk1"/>
+              </a:solidFill>
+              <a:latin typeface="Georgia"/>
+              <a:ea typeface="Georgia"/>
+              <a:cs typeface="Georgia"/>
+              <a:sym typeface="Georgia"/>
+            </a:endParaRPr>
           </a:p>
         </p:txBody>
       </p:sp>
